--- a/proofs/box-model.pptx
+++ b/proofs/box-model.pptx
@@ -244,7 +244,7 @@
           <a:p>
             <a:fld id="{4B7E8A17-67AE-244D-86FA-7CEEC30CB9C0}" type="datetimeFigureOut">
               <a:rPr lang="en-US" smtClean="0"/>
-              <a:t>9/12/23</a:t>
+              <a:t>4/19/24</a:t>
             </a:fld>
             <a:endParaRPr lang="en-US"/>
           </a:p>
@@ -414,7 +414,7 @@
           <a:p>
             <a:fld id="{4B7E8A17-67AE-244D-86FA-7CEEC30CB9C0}" type="datetimeFigureOut">
               <a:rPr lang="en-US" smtClean="0"/>
-              <a:t>9/12/23</a:t>
+              <a:t>4/19/24</a:t>
             </a:fld>
             <a:endParaRPr lang="en-US"/>
           </a:p>
@@ -594,7 +594,7 @@
           <a:p>
             <a:fld id="{4B7E8A17-67AE-244D-86FA-7CEEC30CB9C0}" type="datetimeFigureOut">
               <a:rPr lang="en-US" smtClean="0"/>
-              <a:t>9/12/23</a:t>
+              <a:t>4/19/24</a:t>
             </a:fld>
             <a:endParaRPr lang="en-US"/>
           </a:p>
@@ -764,7 +764,7 @@
           <a:p>
             <a:fld id="{4B7E8A17-67AE-244D-86FA-7CEEC30CB9C0}" type="datetimeFigureOut">
               <a:rPr lang="en-US" smtClean="0"/>
-              <a:t>9/12/23</a:t>
+              <a:t>4/19/24</a:t>
             </a:fld>
             <a:endParaRPr lang="en-US"/>
           </a:p>
@@ -1008,7 +1008,7 @@
           <a:p>
             <a:fld id="{4B7E8A17-67AE-244D-86FA-7CEEC30CB9C0}" type="datetimeFigureOut">
               <a:rPr lang="en-US" smtClean="0"/>
-              <a:t>9/12/23</a:t>
+              <a:t>4/19/24</a:t>
             </a:fld>
             <a:endParaRPr lang="en-US"/>
           </a:p>
@@ -1240,7 +1240,7 @@
           <a:p>
             <a:fld id="{4B7E8A17-67AE-244D-86FA-7CEEC30CB9C0}" type="datetimeFigureOut">
               <a:rPr lang="en-US" smtClean="0"/>
-              <a:t>9/12/23</a:t>
+              <a:t>4/19/24</a:t>
             </a:fld>
             <a:endParaRPr lang="en-US"/>
           </a:p>
@@ -1607,7 +1607,7 @@
           <a:p>
             <a:fld id="{4B7E8A17-67AE-244D-86FA-7CEEC30CB9C0}" type="datetimeFigureOut">
               <a:rPr lang="en-US" smtClean="0"/>
-              <a:t>9/12/23</a:t>
+              <a:t>4/19/24</a:t>
             </a:fld>
             <a:endParaRPr lang="en-US"/>
           </a:p>
@@ -1725,7 +1725,7 @@
           <a:p>
             <a:fld id="{4B7E8A17-67AE-244D-86FA-7CEEC30CB9C0}" type="datetimeFigureOut">
               <a:rPr lang="en-US" smtClean="0"/>
-              <a:t>9/12/23</a:t>
+              <a:t>4/19/24</a:t>
             </a:fld>
             <a:endParaRPr lang="en-US"/>
           </a:p>
@@ -1820,7 +1820,7 @@
           <a:p>
             <a:fld id="{4B7E8A17-67AE-244D-86FA-7CEEC30CB9C0}" type="datetimeFigureOut">
               <a:rPr lang="en-US" smtClean="0"/>
-              <a:t>9/12/23</a:t>
+              <a:t>4/19/24</a:t>
             </a:fld>
             <a:endParaRPr lang="en-US"/>
           </a:p>
@@ -2097,7 +2097,7 @@
           <a:p>
             <a:fld id="{4B7E8A17-67AE-244D-86FA-7CEEC30CB9C0}" type="datetimeFigureOut">
               <a:rPr lang="en-US" smtClean="0"/>
-              <a:t>9/12/23</a:t>
+              <a:t>4/19/24</a:t>
             </a:fld>
             <a:endParaRPr lang="en-US"/>
           </a:p>
@@ -2354,7 +2354,7 @@
           <a:p>
             <a:fld id="{4B7E8A17-67AE-244D-86FA-7CEEC30CB9C0}" type="datetimeFigureOut">
               <a:rPr lang="en-US" smtClean="0"/>
-              <a:t>9/12/23</a:t>
+              <a:t>4/19/24</a:t>
             </a:fld>
             <a:endParaRPr lang="en-US"/>
           </a:p>
@@ -2567,7 +2567,7 @@
           <a:p>
             <a:fld id="{4B7E8A17-67AE-244D-86FA-7CEEC30CB9C0}" type="datetimeFigureOut">
               <a:rPr lang="en-US" smtClean="0"/>
-              <a:t>9/12/23</a:t>
+              <a:t>4/19/24</a:t>
             </a:fld>
             <a:endParaRPr lang="en-US"/>
           </a:p>
@@ -4612,10 +4612,10 @@
         </p:nvGrpSpPr>
         <p:grpSpPr>
           <a:xfrm>
-            <a:off x="268788" y="165962"/>
-            <a:ext cx="3296307" cy="3017788"/>
-            <a:chOff x="-3484179" y="-277213"/>
-            <a:chExt cx="3296307" cy="3017788"/>
+            <a:off x="268788" y="177787"/>
+            <a:ext cx="3268718" cy="3005963"/>
+            <a:chOff x="-3484179" y="-265388"/>
+            <a:chExt cx="3268718" cy="3005963"/>
           </a:xfrm>
         </p:grpSpPr>
         <mc:AlternateContent xmlns:mc="http://schemas.openxmlformats.org/markup-compatibility/2006" xmlns:a14="http://schemas.microsoft.com/office/drawing/2010/main">
@@ -4985,136 +4985,6 @@
             </p:sp>
           </mc:Fallback>
         </mc:AlternateContent>
-        <mc:AlternateContent xmlns:mc="http://schemas.openxmlformats.org/markup-compatibility/2006" xmlns:a14="http://schemas.microsoft.com/office/drawing/2010/main">
-          <mc:Choice Requires="a14">
-            <p:sp>
-              <p:nvSpPr>
-                <p:cNvPr id="8" name="Rounded Rectangle 7">
-                  <a:extLst>
-                    <a:ext uri="{FF2B5EF4-FFF2-40B4-BE49-F238E27FC236}">
-                      <a16:creationId xmlns:a16="http://schemas.microsoft.com/office/drawing/2014/main" id="{33D31B63-FBF5-FC83-E6AE-D23580618C33}"/>
-                    </a:ext>
-                  </a:extLst>
-                </p:cNvPr>
-                <p:cNvSpPr/>
-                <p:nvPr/>
-              </p:nvSpPr>
-              <p:spPr>
-                <a:xfrm>
-                  <a:off x="-1500352" y="932794"/>
-                  <a:ext cx="709448" cy="651642"/>
-                </a:xfrm>
-                <a:prstGeom prst="roundRect">
-                  <a:avLst>
-                    <a:gd name="adj" fmla="val 15186"/>
-                  </a:avLst>
-                </a:prstGeom>
-              </p:spPr>
-              <p:style>
-                <a:lnRef idx="2">
-                  <a:schemeClr val="dk1"/>
-                </a:lnRef>
-                <a:fillRef idx="1">
-                  <a:schemeClr val="lt1"/>
-                </a:fillRef>
-                <a:effectRef idx="0">
-                  <a:schemeClr val="dk1"/>
-                </a:effectRef>
-                <a:fontRef idx="minor">
-                  <a:schemeClr val="dk1"/>
-                </a:fontRef>
-              </p:style>
-              <p:txBody>
-                <a:bodyPr rtlCol="0" anchor="ctr"/>
-                <a:lstStyle/>
-                <a:p>
-                  <a:pPr algn="ctr"/>
-                  <a14:m>
-                    <m:oMathPara xmlns:m="http://schemas.openxmlformats.org/officeDocument/2006/math">
-                      <m:oMathParaPr>
-                        <m:jc m:val="center"/>
-                      </m:oMathParaPr>
-                      <m:oMath xmlns:m="http://schemas.openxmlformats.org/officeDocument/2006/math">
-                        <m:sSub>
-                          <m:sSubPr>
-                            <m:ctrlPr>
-                              <a:rPr lang="en-US" sz="3600" i="1" dirty="0">
-                                <a:latin typeface="Cambria Math" panose="02040503050406030204" pitchFamily="18" charset="0"/>
-                              </a:rPr>
-                            </m:ctrlPr>
-                          </m:sSubPr>
-                          <m:e>
-                            <m:r>
-                              <a:rPr lang="en-US" sz="3600" i="1" dirty="0">
-                                <a:latin typeface="Cambria Math" panose="02040503050406030204" pitchFamily="18" charset="0"/>
-                              </a:rPr>
-                              <m:t>𝑧</m:t>
-                            </m:r>
-                          </m:e>
-                          <m:sub>
-                            <m:r>
-                              <a:rPr lang="en-US" sz="3600" i="1" dirty="0">
-                                <a:latin typeface="Cambria Math" panose="02040503050406030204" pitchFamily="18" charset="0"/>
-                              </a:rPr>
-                              <m:t>𝑚</m:t>
-                            </m:r>
-                          </m:sub>
-                        </m:sSub>
-                      </m:oMath>
-                    </m:oMathPara>
-                  </a14:m>
-                  <a:endParaRPr lang="en-US" sz="3600" dirty="0"/>
-                </a:p>
-              </p:txBody>
-            </p:sp>
-          </mc:Choice>
-          <mc:Fallback xmlns="">
-            <p:sp>
-              <p:nvSpPr>
-                <p:cNvPr id="9" name="Rounded Rectangle 8">
-                  <a:extLst>
-                    <a:ext uri="{FF2B5EF4-FFF2-40B4-BE49-F238E27FC236}">
-                      <a16:creationId xmlns:a16="http://schemas.microsoft.com/office/drawing/2014/main" id="{24BD73AC-3DBF-BF9C-1F5F-21D31B692308}"/>
-                    </a:ext>
-                  </a:extLst>
-                </p:cNvPr>
-                <p:cNvSpPr>
-                  <a:spLocks noRot="1" noChangeAspect="1" noMove="1" noResize="1" noEditPoints="1" noAdjustHandles="1" noChangeArrowheads="1" noChangeShapeType="1" noTextEdit="1"/>
-                </p:cNvSpPr>
-                <p:nvPr/>
-              </p:nvSpPr>
-              <p:spPr>
-                <a:xfrm>
-                  <a:off x="-1500352" y="932794"/>
-                  <a:ext cx="709448" cy="651642"/>
-                </a:xfrm>
-                <a:prstGeom prst="roundRect">
-                  <a:avLst>
-                    <a:gd name="adj" fmla="val 15186"/>
-                  </a:avLst>
-                </a:prstGeom>
-                <a:blipFill>
-                  <a:blip r:embed="rId5"/>
-                  <a:stretch>
-                    <a:fillRect l="-12281"/>
-                  </a:stretch>
-                </a:blipFill>
-              </p:spPr>
-              <p:txBody>
-                <a:bodyPr/>
-                <a:lstStyle/>
-                <a:p>
-                  <a:r>
-                    <a:rPr lang="en-US">
-                      <a:noFill/>
-                    </a:rPr>
-                    <a:t> </a:t>
-                  </a:r>
-                </a:p>
-              </p:txBody>
-            </p:sp>
-          </mc:Fallback>
-        </mc:AlternateContent>
         <p:cxnSp>
           <p:nvCxnSpPr>
             <p:cNvPr id="9" name="Straight Arrow Connector 8">
@@ -5129,7 +4999,7 @@
           </p:nvCxnSpPr>
           <p:spPr>
             <a:xfrm flipV="1">
-              <a:off x="-3084787" y="486104"/>
+              <a:off x="-3006232" y="491123"/>
               <a:ext cx="472966" cy="357352"/>
             </a:xfrm>
             <a:prstGeom prst="straightConnector1">
@@ -5219,7 +5089,7 @@
             </a:prstGeom>
             <a:ln>
               <a:solidFill>
-                <a:schemeClr val="accent1"/>
+                <a:schemeClr val="tx1"/>
               </a:solidFill>
               <a:tailEnd type="triangle"/>
             </a:ln>
@@ -5263,7 +5133,7 @@
             </a:prstGeom>
             <a:ln>
               <a:solidFill>
-                <a:schemeClr val="accent1"/>
+                <a:schemeClr val="tx1"/>
               </a:solidFill>
               <a:tailEnd type="triangle"/>
             </a:ln>
@@ -5283,8 +5153,8 @@
             </a:fontRef>
           </p:style>
         </p:cxnSp>
-        <mc:AlternateContent xmlns:mc="http://schemas.openxmlformats.org/markup-compatibility/2006" xmlns:a14="http://schemas.microsoft.com/office/drawing/2010/main">
-          <mc:Choice Requires="a14">
+        <mc:AlternateContent xmlns:mc="http://schemas.openxmlformats.org/markup-compatibility/2006">
+          <mc:Choice xmlns:a14="http://schemas.microsoft.com/office/drawing/2010/main" Requires="a14">
             <p:sp>
               <p:nvSpPr>
                 <p:cNvPr id="13" name="Rounded Rectangle 12">
@@ -5299,7 +5169,7 @@
               </p:nvSpPr>
               <p:spPr>
                 <a:xfrm>
-                  <a:off x="-3321269" y="149771"/>
+                  <a:off x="-3035252" y="438335"/>
                   <a:ext cx="709448" cy="651642"/>
                 </a:xfrm>
                 <a:prstGeom prst="roundRect">
@@ -5371,13 +5241,13 @@
               </p:txBody>
             </p:sp>
           </mc:Choice>
-          <mc:Fallback xmlns="">
+          <mc:Fallback>
             <p:sp>
               <p:nvSpPr>
-                <p:cNvPr id="20" name="Rounded Rectangle 19">
+                <p:cNvPr id="13" name="Rounded Rectangle 12">
                   <a:extLst>
                     <a:ext uri="{FF2B5EF4-FFF2-40B4-BE49-F238E27FC236}">
-                      <a16:creationId xmlns:a16="http://schemas.microsoft.com/office/drawing/2014/main" id="{0E81BEB3-586D-9DF7-0586-4D33EB54A78C}"/>
+                      <a16:creationId xmlns:a16="http://schemas.microsoft.com/office/drawing/2014/main" id="{A7AF4C78-4741-1B97-166F-EC8EC50DCE96}"/>
                     </a:ext>
                   </a:extLst>
                 </p:cNvPr>
@@ -5388,7 +5258,7 @@
               </p:nvSpPr>
               <p:spPr>
                 <a:xfrm>
-                  <a:off x="-3321269" y="149771"/>
+                  <a:off x="-3035252" y="438335"/>
                   <a:ext cx="709448" cy="651642"/>
                 </a:xfrm>
                 <a:prstGeom prst="roundRect">
@@ -5397,145 +5267,7 @@
                   </a:avLst>
                 </a:prstGeom>
                 <a:blipFill>
-                  <a:blip r:embed="rId6"/>
-                  <a:stretch>
-                    <a:fillRect/>
-                  </a:stretch>
-                </a:blipFill>
-                <a:ln>
-                  <a:noFill/>
-                </a:ln>
-              </p:spPr>
-              <p:txBody>
-                <a:bodyPr/>
-                <a:lstStyle/>
-                <a:p>
-                  <a:r>
-                    <a:rPr lang="en-US">
-                      <a:noFill/>
-                    </a:rPr>
-                    <a:t> </a:t>
-                  </a:r>
-                </a:p>
-              </p:txBody>
-            </p:sp>
-          </mc:Fallback>
-        </mc:AlternateContent>
-        <mc:AlternateContent xmlns:mc="http://schemas.openxmlformats.org/markup-compatibility/2006" xmlns:a14="http://schemas.microsoft.com/office/drawing/2010/main">
-          <mc:Choice Requires="a14">
-            <p:sp>
-              <p:nvSpPr>
-                <p:cNvPr id="14" name="Rounded Rectangle 13">
-                  <a:extLst>
-                    <a:ext uri="{FF2B5EF4-FFF2-40B4-BE49-F238E27FC236}">
-                      <a16:creationId xmlns:a16="http://schemas.microsoft.com/office/drawing/2014/main" id="{B4BE7F98-1F6E-7603-F05E-9E283BB7EF22}"/>
-                    </a:ext>
-                  </a:extLst>
-                </p:cNvPr>
-                <p:cNvSpPr/>
-                <p:nvPr/>
-              </p:nvSpPr>
-              <p:spPr>
-                <a:xfrm>
-                  <a:off x="-3314700" y="1673774"/>
-                  <a:ext cx="709448" cy="651642"/>
-                </a:xfrm>
-                <a:prstGeom prst="roundRect">
-                  <a:avLst>
-                    <a:gd name="adj" fmla="val 15186"/>
-                  </a:avLst>
-                </a:prstGeom>
-                <a:noFill/>
-                <a:ln>
-                  <a:noFill/>
-                </a:ln>
-              </p:spPr>
-              <p:style>
-                <a:lnRef idx="2">
-                  <a:schemeClr val="dk1"/>
-                </a:lnRef>
-                <a:fillRef idx="1">
-                  <a:schemeClr val="lt1"/>
-                </a:fillRef>
-                <a:effectRef idx="0">
-                  <a:schemeClr val="dk1"/>
-                </a:effectRef>
-                <a:fontRef idx="minor">
-                  <a:schemeClr val="dk1"/>
-                </a:fontRef>
-              </p:style>
-              <p:txBody>
-                <a:bodyPr rtlCol="0" anchor="ctr"/>
-                <a:lstStyle/>
-                <a:p>
-                  <a:pPr algn="ctr"/>
-                  <a14:m>
-                    <m:oMathPara xmlns:m="http://schemas.openxmlformats.org/officeDocument/2006/math">
-                      <m:oMathParaPr>
-                        <m:jc m:val="center"/>
-                      </m:oMathParaPr>
-                      <m:oMath xmlns:m="http://schemas.openxmlformats.org/officeDocument/2006/math">
-                        <m:sSub>
-                          <m:sSubPr>
-                            <m:ctrlPr>
-                              <a:rPr lang="en-US" sz="2000" i="1" dirty="0">
-                                <a:latin typeface="Cambria Math" panose="02040503050406030204" pitchFamily="18" charset="0"/>
-                              </a:rPr>
-                            </m:ctrlPr>
-                          </m:sSubPr>
-                          <m:e>
-                            <m:r>
-                              <a:rPr lang="en-US" sz="2000" i="1" dirty="0">
-                                <a:latin typeface="Cambria Math" panose="02040503050406030204" pitchFamily="18" charset="0"/>
-                                <a:ea typeface="Cambria Math" panose="02040503050406030204" pitchFamily="18" charset="0"/>
-                              </a:rPr>
-                              <m:t>𝜆</m:t>
-                            </m:r>
-                          </m:e>
-                          <m:sub>
-                            <m:r>
-                              <a:rPr lang="en-US" sz="2000" i="1" dirty="0">
-                                <a:latin typeface="Cambria Math" panose="02040503050406030204" pitchFamily="18" charset="0"/>
-                              </a:rPr>
-                              <m:t>𝑘</m:t>
-                            </m:r>
-                          </m:sub>
-                        </m:sSub>
-                      </m:oMath>
-                    </m:oMathPara>
-                  </a14:m>
-                  <a:endParaRPr lang="en-US" sz="2000" dirty="0"/>
-                </a:p>
-              </p:txBody>
-            </p:sp>
-          </mc:Choice>
-          <mc:Fallback xmlns="">
-            <p:sp>
-              <p:nvSpPr>
-                <p:cNvPr id="21" name="Rounded Rectangle 20">
-                  <a:extLst>
-                    <a:ext uri="{FF2B5EF4-FFF2-40B4-BE49-F238E27FC236}">
-                      <a16:creationId xmlns:a16="http://schemas.microsoft.com/office/drawing/2014/main" id="{847393A5-2F40-852D-484B-9C7FBB166B52}"/>
-                    </a:ext>
-                  </a:extLst>
-                </p:cNvPr>
-                <p:cNvSpPr>
-                  <a:spLocks noRot="1" noChangeAspect="1" noMove="1" noResize="1" noEditPoints="1" noAdjustHandles="1" noChangeArrowheads="1" noChangeShapeType="1" noTextEdit="1"/>
-                </p:cNvSpPr>
-                <p:nvPr/>
-              </p:nvSpPr>
-              <p:spPr>
-                <a:xfrm>
-                  <a:off x="-3314700" y="1673774"/>
-                  <a:ext cx="709448" cy="651642"/>
-                </a:xfrm>
-                <a:prstGeom prst="roundRect">
-                  <a:avLst>
-                    <a:gd name="adj" fmla="val 15186"/>
-                  </a:avLst>
-                </a:prstGeom>
-                <a:blipFill>
-                  <a:blip r:embed="rId7"/>
+                  <a:blip r:embed="rId5"/>
                   <a:stretch>
                     <a:fillRect/>
                   </a:stretch>
@@ -5563,10 +5295,10 @@
           <mc:Choice xmlns:a14="http://schemas.microsoft.com/office/drawing/2010/main" Requires="a14">
             <p:sp>
               <p:nvSpPr>
-                <p:cNvPr id="15" name="Rounded Rectangle 14">
+                <p:cNvPr id="14" name="Rounded Rectangle 13">
                   <a:extLst>
                     <a:ext uri="{FF2B5EF4-FFF2-40B4-BE49-F238E27FC236}">
-                      <a16:creationId xmlns:a16="http://schemas.microsoft.com/office/drawing/2014/main" id="{270C8150-4C0E-75CD-E359-C1AD7601ADFA}"/>
+                      <a16:creationId xmlns:a16="http://schemas.microsoft.com/office/drawing/2014/main" id="{B4BE7F98-1F6E-7603-F05E-9E283BB7EF22}"/>
                     </a:ext>
                   </a:extLst>
                 </p:cNvPr>
@@ -5575,7 +5307,7 @@
               </p:nvSpPr>
               <p:spPr>
                 <a:xfrm>
-                  <a:off x="-1648810" y="1697425"/>
+                  <a:off x="-3039837" y="1447064"/>
                   <a:ext cx="709448" cy="651642"/>
                 </a:xfrm>
                 <a:prstGeom prst="roundRect">
@@ -5618,7 +5350,7 @@
                             <m:ctrlPr>
                               <a:rPr lang="en-US" sz="2000" i="1" dirty="0" smtClean="0">
                                 <a:solidFill>
-                                  <a:srgbClr val="0070C0"/>
+                                  <a:schemeClr val="tx1"/>
                                 </a:solidFill>
                                 <a:latin typeface="Cambria Math" panose="02040503050406030204" pitchFamily="18" charset="0"/>
                               </a:rPr>
@@ -5628,7 +5360,7 @@
                             <m:r>
                               <a:rPr lang="en-US" sz="2000" i="1" dirty="0">
                                 <a:solidFill>
-                                  <a:srgbClr val="0070C0"/>
+                                  <a:schemeClr val="tx1"/>
                                 </a:solidFill>
                                 <a:latin typeface="Cambria Math" panose="02040503050406030204" pitchFamily="18" charset="0"/>
                                 <a:ea typeface="Cambria Math" panose="02040503050406030204" pitchFamily="18" charset="0"/>
@@ -5640,11 +5372,11 @@
                             <m:r>
                               <a:rPr lang="en-US" sz="2000" i="1" dirty="0">
                                 <a:solidFill>
-                                  <a:srgbClr val="0070C0"/>
+                                  <a:schemeClr val="tx1"/>
                                 </a:solidFill>
                                 <a:latin typeface="Cambria Math" panose="02040503050406030204" pitchFamily="18" charset="0"/>
                               </a:rPr>
-                              <m:t>𝑖</m:t>
+                              <m:t>𝑘</m:t>
                             </m:r>
                           </m:sub>
                         </m:sSub>
@@ -5653,7 +5385,7 @@
                   </a14:m>
                   <a:endParaRPr lang="en-US" sz="2000" dirty="0">
                     <a:solidFill>
-                      <a:srgbClr val="0070C0"/>
+                      <a:schemeClr val="tx1"/>
                     </a:solidFill>
                   </a:endParaRPr>
                 </a:p>
@@ -5663,10 +5395,10 @@
           <mc:Fallback>
             <p:sp>
               <p:nvSpPr>
-                <p:cNvPr id="15" name="Rounded Rectangle 14">
+                <p:cNvPr id="14" name="Rounded Rectangle 13">
                   <a:extLst>
                     <a:ext uri="{FF2B5EF4-FFF2-40B4-BE49-F238E27FC236}">
-                      <a16:creationId xmlns:a16="http://schemas.microsoft.com/office/drawing/2014/main" id="{270C8150-4C0E-75CD-E359-C1AD7601ADFA}"/>
+                      <a16:creationId xmlns:a16="http://schemas.microsoft.com/office/drawing/2014/main" id="{B4BE7F98-1F6E-7603-F05E-9E283BB7EF22}"/>
                     </a:ext>
                   </a:extLst>
                 </p:cNvPr>
@@ -5677,7 +5409,7 @@
               </p:nvSpPr>
               <p:spPr>
                 <a:xfrm>
-                  <a:off x="-1648810" y="1697425"/>
+                  <a:off x="-3039837" y="1447064"/>
                   <a:ext cx="709448" cy="651642"/>
                 </a:xfrm>
                 <a:prstGeom prst="roundRect">
@@ -5686,7 +5418,7 @@
                   </a:avLst>
                 </a:prstGeom>
                 <a:blipFill>
-                  <a:blip r:embed="rId8"/>
+                  <a:blip r:embed="rId6"/>
                   <a:stretch>
                     <a:fillRect/>
                   </a:stretch>
@@ -5714,10 +5446,10 @@
           <mc:Choice xmlns:a14="http://schemas.microsoft.com/office/drawing/2010/main" Requires="a14">
             <p:sp>
               <p:nvSpPr>
-                <p:cNvPr id="16" name="Rounded Rectangle 15">
+                <p:cNvPr id="15" name="Rounded Rectangle 14">
                   <a:extLst>
                     <a:ext uri="{FF2B5EF4-FFF2-40B4-BE49-F238E27FC236}">
-                      <a16:creationId xmlns:a16="http://schemas.microsoft.com/office/drawing/2014/main" id="{31F15A90-F009-0FED-8CE1-2D50251C090D}"/>
+                      <a16:creationId xmlns:a16="http://schemas.microsoft.com/office/drawing/2014/main" id="{270C8150-4C0E-75CD-E359-C1AD7601ADFA}"/>
                     </a:ext>
                   </a:extLst>
                 </p:cNvPr>
@@ -5726,7 +5458,7 @@
               </p:nvSpPr>
               <p:spPr>
                 <a:xfrm>
-                  <a:off x="-1613339" y="105102"/>
+                  <a:off x="-1860192" y="1438907"/>
                   <a:ext cx="709448" cy="651642"/>
                 </a:xfrm>
                 <a:prstGeom prst="roundRect">
@@ -5769,7 +5501,7 @@
                             <m:ctrlPr>
                               <a:rPr lang="en-US" sz="2000" i="1" dirty="0" smtClean="0">
                                 <a:solidFill>
-                                  <a:srgbClr val="0070C0"/>
+                                  <a:schemeClr val="tx1"/>
                                 </a:solidFill>
                                 <a:latin typeface="Cambria Math" panose="02040503050406030204" pitchFamily="18" charset="0"/>
                               </a:rPr>
@@ -5779,7 +5511,7 @@
                             <m:r>
                               <a:rPr lang="en-US" sz="2000" i="1" dirty="0">
                                 <a:solidFill>
-                                  <a:srgbClr val="0070C0"/>
+                                  <a:schemeClr val="tx1"/>
                                 </a:solidFill>
                                 <a:latin typeface="Cambria Math" panose="02040503050406030204" pitchFamily="18" charset="0"/>
                                 <a:ea typeface="Cambria Math" panose="02040503050406030204" pitchFamily="18" charset="0"/>
@@ -5791,7 +5523,158 @@
                             <m:r>
                               <a:rPr lang="en-US" sz="2000" i="1" dirty="0">
                                 <a:solidFill>
-                                  <a:srgbClr val="0070C0"/>
+                                  <a:schemeClr val="tx1"/>
+                                </a:solidFill>
+                                <a:latin typeface="Cambria Math" panose="02040503050406030204" pitchFamily="18" charset="0"/>
+                              </a:rPr>
+                              <m:t>𝑖</m:t>
+                            </m:r>
+                          </m:sub>
+                        </m:sSub>
+                      </m:oMath>
+                    </m:oMathPara>
+                  </a14:m>
+                  <a:endParaRPr lang="en-US" sz="2000" dirty="0">
+                    <a:solidFill>
+                      <a:schemeClr val="tx1"/>
+                    </a:solidFill>
+                  </a:endParaRPr>
+                </a:p>
+              </p:txBody>
+            </p:sp>
+          </mc:Choice>
+          <mc:Fallback>
+            <p:sp>
+              <p:nvSpPr>
+                <p:cNvPr id="15" name="Rounded Rectangle 14">
+                  <a:extLst>
+                    <a:ext uri="{FF2B5EF4-FFF2-40B4-BE49-F238E27FC236}">
+                      <a16:creationId xmlns:a16="http://schemas.microsoft.com/office/drawing/2014/main" id="{270C8150-4C0E-75CD-E359-C1AD7601ADFA}"/>
+                    </a:ext>
+                  </a:extLst>
+                </p:cNvPr>
+                <p:cNvSpPr>
+                  <a:spLocks noRot="1" noChangeAspect="1" noMove="1" noResize="1" noEditPoints="1" noAdjustHandles="1" noChangeArrowheads="1" noChangeShapeType="1" noTextEdit="1"/>
+                </p:cNvSpPr>
+                <p:nvPr/>
+              </p:nvSpPr>
+              <p:spPr>
+                <a:xfrm>
+                  <a:off x="-1860192" y="1438907"/>
+                  <a:ext cx="709448" cy="651642"/>
+                </a:xfrm>
+                <a:prstGeom prst="roundRect">
+                  <a:avLst>
+                    <a:gd name="adj" fmla="val 15186"/>
+                  </a:avLst>
+                </a:prstGeom>
+                <a:blipFill>
+                  <a:blip r:embed="rId7"/>
+                  <a:stretch>
+                    <a:fillRect/>
+                  </a:stretch>
+                </a:blipFill>
+                <a:ln>
+                  <a:noFill/>
+                </a:ln>
+              </p:spPr>
+              <p:txBody>
+                <a:bodyPr/>
+                <a:lstStyle/>
+                <a:p>
+                  <a:r>
+                    <a:rPr lang="en-US">
+                      <a:noFill/>
+                    </a:rPr>
+                    <a:t> </a:t>
+                  </a:r>
+                </a:p>
+              </p:txBody>
+            </p:sp>
+          </mc:Fallback>
+        </mc:AlternateContent>
+        <mc:AlternateContent xmlns:mc="http://schemas.openxmlformats.org/markup-compatibility/2006">
+          <mc:Choice xmlns:a14="http://schemas.microsoft.com/office/drawing/2010/main" Requires="a14">
+            <p:sp>
+              <p:nvSpPr>
+                <p:cNvPr id="16" name="Rounded Rectangle 15">
+                  <a:extLst>
+                    <a:ext uri="{FF2B5EF4-FFF2-40B4-BE49-F238E27FC236}">
+                      <a16:creationId xmlns:a16="http://schemas.microsoft.com/office/drawing/2014/main" id="{31F15A90-F009-0FED-8CE1-2D50251C090D}"/>
+                    </a:ext>
+                  </a:extLst>
+                </p:cNvPr>
+                <p:cNvSpPr/>
+                <p:nvPr/>
+              </p:nvSpPr>
+              <p:spPr>
+                <a:xfrm>
+                  <a:off x="-1820781" y="363216"/>
+                  <a:ext cx="709448" cy="651642"/>
+                </a:xfrm>
+                <a:prstGeom prst="roundRect">
+                  <a:avLst>
+                    <a:gd name="adj" fmla="val 15186"/>
+                  </a:avLst>
+                </a:prstGeom>
+                <a:noFill/>
+                <a:ln>
+                  <a:noFill/>
+                </a:ln>
+              </p:spPr>
+              <p:style>
+                <a:lnRef idx="2">
+                  <a:schemeClr val="dk1"/>
+                </a:lnRef>
+                <a:fillRef idx="1">
+                  <a:schemeClr val="lt1"/>
+                </a:fillRef>
+                <a:effectRef idx="0">
+                  <a:schemeClr val="dk1"/>
+                </a:effectRef>
+                <a:fontRef idx="minor">
+                  <a:schemeClr val="dk1"/>
+                </a:fontRef>
+              </p:style>
+              <p:txBody>
+                <a:bodyPr rtlCol="0" anchor="ctr"/>
+                <a:lstStyle/>
+                <a:p>
+                  <a:pPr algn="ctr"/>
+                  <a14:m>
+                    <m:oMathPara xmlns:m="http://schemas.openxmlformats.org/officeDocument/2006/math">
+                      <m:oMathParaPr>
+                        <m:jc m:val="center"/>
+                      </m:oMathParaPr>
+                      <m:oMath xmlns:m="http://schemas.openxmlformats.org/officeDocument/2006/math">
+                        <m:sSub>
+                          <m:sSubPr>
+                            <m:ctrlPr>
+                              <a:rPr lang="en-US" sz="2000" i="1" dirty="0" smtClean="0">
+                                <a:solidFill>
+                                  <a:schemeClr val="tx1"/>
+                                </a:solidFill>
+                                <a:latin typeface="Cambria Math" panose="02040503050406030204" pitchFamily="18" charset="0"/>
+                              </a:rPr>
+                            </m:ctrlPr>
+                          </m:sSubPr>
+                          <m:e>
+                            <m:r>
+                              <a:rPr lang="en-US" sz="2000" i="1" dirty="0">
+                                <a:solidFill>
+                                  <a:schemeClr val="tx1"/>
+                                </a:solidFill>
+                                <a:latin typeface="Cambria Math" panose="02040503050406030204" pitchFamily="18" charset="0"/>
+                                <a:ea typeface="Cambria Math" panose="02040503050406030204" pitchFamily="18" charset="0"/>
+                              </a:rPr>
+                              <m:t>𝜆</m:t>
+                            </m:r>
+                          </m:e>
+                          <m:sub>
+                            <m:r>
+                              <a:rPr lang="en-US" sz="2000" i="1" dirty="0">
+                                <a:solidFill>
+                                  <a:schemeClr val="tx1"/>
                                 </a:solidFill>
                                 <a:latin typeface="Cambria Math" panose="02040503050406030204" pitchFamily="18" charset="0"/>
                               </a:rPr>
@@ -5828,7 +5711,7 @@
               </p:nvSpPr>
               <p:spPr>
                 <a:xfrm>
-                  <a:off x="-1613339" y="105102"/>
+                  <a:off x="-1820781" y="363216"/>
                   <a:ext cx="709448" cy="651642"/>
                 </a:xfrm>
                 <a:prstGeom prst="roundRect">
@@ -5837,7 +5720,7 @@
                   </a:avLst>
                 </a:prstGeom>
                 <a:blipFill>
-                  <a:blip r:embed="rId9"/>
+                  <a:blip r:embed="rId8"/>
                   <a:stretch>
                     <a:fillRect/>
                   </a:stretch>
@@ -5888,7 +5771,7 @@
             </a:prstGeom>
             <a:ln>
               <a:solidFill>
-                <a:schemeClr val="accent1"/>
+                <a:schemeClr val="tx1"/>
               </a:solidFill>
               <a:tailEnd type="triangle"/>
             </a:ln>
@@ -5924,7 +5807,7 @@
           </p:nvCxnSpPr>
           <p:spPr>
             <a:xfrm rot="10800000">
-              <a:off x="-2099442" y="102479"/>
+              <a:off x="-2161152" y="80042"/>
               <a:ext cx="1319050" cy="993237"/>
             </a:xfrm>
             <a:prstGeom prst="curvedConnector4">
@@ -5935,7 +5818,7 @@
             </a:prstGeom>
             <a:ln>
               <a:solidFill>
-                <a:schemeClr val="accent1"/>
+                <a:schemeClr val="tx1"/>
               </a:solidFill>
               <a:tailEnd type="triangle"/>
             </a:ln>
@@ -6014,7 +5897,7 @@
                             <m:ctrlPr>
                               <a:rPr lang="en-US" sz="2000" i="1" dirty="0" smtClean="0">
                                 <a:solidFill>
-                                  <a:srgbClr val="0070C0"/>
+                                  <a:schemeClr val="tx1"/>
                                 </a:solidFill>
                                 <a:latin typeface="Cambria Math" panose="02040503050406030204" pitchFamily="18" charset="0"/>
                               </a:rPr>
@@ -6024,7 +5907,7 @@
                             <m:r>
                               <a:rPr lang="en-US" sz="2000" i="1" dirty="0">
                                 <a:solidFill>
-                                  <a:srgbClr val="0070C0"/>
+                                  <a:schemeClr val="tx1"/>
                                 </a:solidFill>
                                 <a:latin typeface="Cambria Math" panose="02040503050406030204" pitchFamily="18" charset="0"/>
                                 <a:ea typeface="Cambria Math" panose="02040503050406030204" pitchFamily="18" charset="0"/>
@@ -6036,7 +5919,7 @@
                             <m:r>
                               <a:rPr lang="en-US" sz="2000" i="1" dirty="0">
                                 <a:solidFill>
-                                  <a:srgbClr val="0070C0"/>
+                                  <a:schemeClr val="tx1"/>
                                 </a:solidFill>
                                 <a:latin typeface="Cambria Math" panose="02040503050406030204" pitchFamily="18" charset="0"/>
                               </a:rPr>
@@ -6049,7 +5932,7 @@
                   </a14:m>
                   <a:endParaRPr lang="en-US" sz="2000" dirty="0">
                     <a:solidFill>
-                      <a:srgbClr val="0070C0"/>
+                      <a:schemeClr val="tx1"/>
                     </a:solidFill>
                   </a:endParaRPr>
                 </a:p>
@@ -6082,7 +5965,7 @@
                   </a:avLst>
                 </a:prstGeom>
                 <a:blipFill>
-                  <a:blip r:embed="rId10"/>
+                  <a:blip r:embed="rId9"/>
                   <a:stretch>
                     <a:fillRect/>
                   </a:stretch>
@@ -6122,7 +6005,7 @@
               </p:nvSpPr>
               <p:spPr>
                 <a:xfrm>
-                  <a:off x="-939362" y="-277213"/>
+                  <a:off x="-1397877" y="-265388"/>
                   <a:ext cx="751490" cy="651642"/>
                 </a:xfrm>
                 <a:prstGeom prst="roundRect">
@@ -6165,7 +6048,7 @@
                             <m:ctrlPr>
                               <a:rPr lang="en-US" sz="2000" i="1" dirty="0" smtClean="0">
                                 <a:solidFill>
-                                  <a:srgbClr val="0070C0"/>
+                                  <a:schemeClr val="tx1"/>
                                 </a:solidFill>
                                 <a:latin typeface="Cambria Math" panose="02040503050406030204" pitchFamily="18" charset="0"/>
                               </a:rPr>
@@ -6175,7 +6058,7 @@
                             <m:r>
                               <a:rPr lang="en-US" sz="2000" i="1" dirty="0">
                                 <a:solidFill>
-                                  <a:srgbClr val="0070C0"/>
+                                  <a:schemeClr val="tx1"/>
                                 </a:solidFill>
                                 <a:latin typeface="Cambria Math" panose="02040503050406030204" pitchFamily="18" charset="0"/>
                                 <a:ea typeface="Cambria Math" panose="02040503050406030204" pitchFamily="18" charset="0"/>
@@ -6187,7 +6070,7 @@
                             <m:r>
                               <a:rPr lang="en-US" sz="2000" i="1" dirty="0">
                                 <a:solidFill>
-                                  <a:srgbClr val="0070C0"/>
+                                  <a:schemeClr val="tx1"/>
                                 </a:solidFill>
                                 <a:latin typeface="Cambria Math" panose="02040503050406030204" pitchFamily="18" charset="0"/>
                               </a:rPr>
@@ -6200,7 +6083,7 @@
                   </a14:m>
                   <a:endParaRPr lang="en-US" sz="2000" dirty="0">
                     <a:solidFill>
-                      <a:srgbClr val="0070C0"/>
+                      <a:schemeClr val="tx1"/>
                     </a:solidFill>
                   </a:endParaRPr>
                 </a:p>
@@ -6224,7 +6107,7 @@
               </p:nvSpPr>
               <p:spPr>
                 <a:xfrm>
-                  <a:off x="-939362" y="-277213"/>
+                  <a:off x="-1397877" y="-265388"/>
                   <a:ext cx="751490" cy="651642"/>
                 </a:xfrm>
                 <a:prstGeom prst="roundRect">
@@ -6233,7 +6116,7 @@
                   </a:avLst>
                 </a:prstGeom>
                 <a:blipFill>
-                  <a:blip r:embed="rId11"/>
+                  <a:blip r:embed="rId10"/>
                   <a:stretch>
                     <a:fillRect/>
                   </a:stretch>
@@ -6267,20 +6150,22 @@
               </a:ext>
             </a:extLst>
           </p:cNvPr>
-          <p:cNvCxnSpPr/>
+          <p:cNvCxnSpPr>
+            <a:cxnSpLocks/>
+          </p:cNvCxnSpPr>
           <p:nvPr/>
         </p:nvCxnSpPr>
         <p:spPr>
           <a:xfrm flipV="1">
-            <a:off x="757557" y="959354"/>
-            <a:ext cx="472966" cy="357352"/>
+            <a:off x="546729" y="799544"/>
+            <a:ext cx="603494" cy="463017"/>
           </a:xfrm>
           <a:prstGeom prst="straightConnector1">
             <a:avLst/>
           </a:prstGeom>
           <a:ln>
             <a:solidFill>
-              <a:schemeClr val="accent1"/>
+              <a:srgbClr val="C00000"/>
             </a:solidFill>
             <a:tailEnd type="triangle"/>
           </a:ln>
@@ -6316,8 +6201,96 @@
         </p:nvCxnSpPr>
         <p:spPr>
           <a:xfrm>
-            <a:off x="748322" y="2087761"/>
-            <a:ext cx="399393" cy="391509"/>
+            <a:off x="582374" y="2196249"/>
+            <a:ext cx="466805" cy="434971"/>
+          </a:xfrm>
+          <a:prstGeom prst="straightConnector1">
+            <a:avLst/>
+          </a:prstGeom>
+          <a:ln>
+            <a:solidFill>
+              <a:srgbClr val="00B050"/>
+            </a:solidFill>
+            <a:tailEnd type="triangle"/>
+          </a:ln>
+        </p:spPr>
+        <p:style>
+          <a:lnRef idx="1">
+            <a:schemeClr val="dk1"/>
+          </a:lnRef>
+          <a:fillRef idx="0">
+            <a:schemeClr val="dk1"/>
+          </a:fillRef>
+          <a:effectRef idx="0">
+            <a:schemeClr val="dk1"/>
+          </a:effectRef>
+          <a:fontRef idx="minor">
+            <a:schemeClr val="tx1"/>
+          </a:fontRef>
+        </p:style>
+      </p:cxnSp>
+      <p:cxnSp>
+        <p:nvCxnSpPr>
+          <p:cNvPr id="2" name="Straight Arrow Connector 1">
+            <a:extLst>
+              <a:ext uri="{FF2B5EF4-FFF2-40B4-BE49-F238E27FC236}">
+                <a16:creationId xmlns:a16="http://schemas.microsoft.com/office/drawing/2014/main" id="{5F6CBDAE-B01D-FF05-672E-3CD7EEA19BA6}"/>
+              </a:ext>
+            </a:extLst>
+          </p:cNvPr>
+          <p:cNvCxnSpPr>
+            <a:cxnSpLocks/>
+          </p:cNvCxnSpPr>
+          <p:nvPr/>
+        </p:nvCxnSpPr>
+        <p:spPr>
+          <a:xfrm flipV="1">
+            <a:off x="2155668" y="2141082"/>
+            <a:ext cx="538452" cy="435194"/>
+          </a:xfrm>
+          <a:prstGeom prst="straightConnector1">
+            <a:avLst/>
+          </a:prstGeom>
+          <a:ln>
+            <a:solidFill>
+              <a:srgbClr val="00B050"/>
+            </a:solidFill>
+            <a:tailEnd type="triangle"/>
+          </a:ln>
+        </p:spPr>
+        <p:style>
+          <a:lnRef idx="1">
+            <a:schemeClr val="dk1"/>
+          </a:lnRef>
+          <a:fillRef idx="0">
+            <a:schemeClr val="dk1"/>
+          </a:fillRef>
+          <a:effectRef idx="0">
+            <a:schemeClr val="dk1"/>
+          </a:effectRef>
+          <a:fontRef idx="minor">
+            <a:schemeClr val="tx1"/>
+          </a:fontRef>
+        </p:style>
+      </p:cxnSp>
+      <p:cxnSp>
+        <p:nvCxnSpPr>
+          <p:cNvPr id="26" name="Straight Arrow Connector 25">
+            <a:extLst>
+              <a:ext uri="{FF2B5EF4-FFF2-40B4-BE49-F238E27FC236}">
+                <a16:creationId xmlns:a16="http://schemas.microsoft.com/office/drawing/2014/main" id="{0F5B7DB5-48CF-1FDA-F9D5-42F414B8CD15}"/>
+              </a:ext>
+            </a:extLst>
+          </p:cNvPr>
+          <p:cNvCxnSpPr>
+            <a:cxnSpLocks/>
+          </p:cNvCxnSpPr>
+          <p:nvPr/>
+        </p:nvCxnSpPr>
+        <p:spPr>
+          <a:xfrm flipV="1">
+            <a:off x="626139" y="870587"/>
+            <a:ext cx="539404" cy="416043"/>
           </a:xfrm>
           <a:prstGeom prst="straightConnector1">
             <a:avLst/>
@@ -6344,6 +6317,274 @@
           </a:fontRef>
         </p:style>
       </p:cxnSp>
+      <p:cxnSp>
+        <p:nvCxnSpPr>
+          <p:cNvPr id="31" name="Straight Arrow Connector 30">
+            <a:extLst>
+              <a:ext uri="{FF2B5EF4-FFF2-40B4-BE49-F238E27FC236}">
+                <a16:creationId xmlns:a16="http://schemas.microsoft.com/office/drawing/2014/main" id="{33E16E0A-2571-DE73-6589-79F735CE9092}"/>
+              </a:ext>
+            </a:extLst>
+          </p:cNvPr>
+          <p:cNvCxnSpPr>
+            <a:cxnSpLocks/>
+          </p:cNvCxnSpPr>
+          <p:nvPr/>
+        </p:nvCxnSpPr>
+        <p:spPr>
+          <a:xfrm>
+            <a:off x="2079194" y="829429"/>
+            <a:ext cx="581972" cy="367260"/>
+          </a:xfrm>
+          <a:prstGeom prst="straightConnector1">
+            <a:avLst/>
+          </a:prstGeom>
+          <a:ln>
+            <a:solidFill>
+              <a:schemeClr val="accent1"/>
+            </a:solidFill>
+            <a:tailEnd type="triangle"/>
+          </a:ln>
+        </p:spPr>
+        <p:style>
+          <a:lnRef idx="1">
+            <a:schemeClr val="dk1"/>
+          </a:lnRef>
+          <a:fillRef idx="0">
+            <a:schemeClr val="dk1"/>
+          </a:fillRef>
+          <a:effectRef idx="0">
+            <a:schemeClr val="dk1"/>
+          </a:effectRef>
+          <a:fontRef idx="minor">
+            <a:schemeClr val="tx1"/>
+          </a:fontRef>
+        </p:style>
+      </p:cxnSp>
+      <p:cxnSp>
+        <p:nvCxnSpPr>
+          <p:cNvPr id="41" name="Curved Connector 40">
+            <a:extLst>
+              <a:ext uri="{FF2B5EF4-FFF2-40B4-BE49-F238E27FC236}">
+                <a16:creationId xmlns:a16="http://schemas.microsoft.com/office/drawing/2014/main" id="{5F9EF1FB-BE0D-5202-EB6D-27C232641101}"/>
+              </a:ext>
+            </a:extLst>
+          </p:cNvPr>
+          <p:cNvCxnSpPr>
+            <a:cxnSpLocks/>
+          </p:cNvCxnSpPr>
+          <p:nvPr/>
+        </p:nvCxnSpPr>
+        <p:spPr>
+          <a:xfrm rot="10800000">
+            <a:off x="1517720" y="567655"/>
+            <a:ext cx="1346407" cy="1010307"/>
+          </a:xfrm>
+          <a:prstGeom prst="curvedConnector4">
+            <a:avLst>
+              <a:gd name="adj1" fmla="val -24421"/>
+              <a:gd name="adj2" fmla="val 140395"/>
+            </a:avLst>
+          </a:prstGeom>
+          <a:ln>
+            <a:solidFill>
+              <a:schemeClr val="accent1"/>
+            </a:solidFill>
+            <a:tailEnd type="triangle"/>
+          </a:ln>
+        </p:spPr>
+        <p:style>
+          <a:lnRef idx="1">
+            <a:schemeClr val="dk1"/>
+          </a:lnRef>
+          <a:fillRef idx="0">
+            <a:schemeClr val="dk1"/>
+          </a:fillRef>
+          <a:effectRef idx="0">
+            <a:schemeClr val="dk1"/>
+          </a:effectRef>
+          <a:fontRef idx="minor">
+            <a:schemeClr val="tx1"/>
+          </a:fontRef>
+        </p:style>
+      </p:cxnSp>
+      <p:cxnSp>
+        <p:nvCxnSpPr>
+          <p:cNvPr id="55" name="Curved Connector 54">
+            <a:extLst>
+              <a:ext uri="{FF2B5EF4-FFF2-40B4-BE49-F238E27FC236}">
+                <a16:creationId xmlns:a16="http://schemas.microsoft.com/office/drawing/2014/main" id="{4E0A88C0-A6D5-6CDD-6A23-74650F25585E}"/>
+              </a:ext>
+            </a:extLst>
+          </p:cNvPr>
+          <p:cNvCxnSpPr>
+            <a:cxnSpLocks/>
+          </p:cNvCxnSpPr>
+          <p:nvPr/>
+        </p:nvCxnSpPr>
+        <p:spPr>
+          <a:xfrm rot="10800000">
+            <a:off x="1444670" y="568001"/>
+            <a:ext cx="1346407" cy="1010307"/>
+          </a:xfrm>
+          <a:prstGeom prst="curvedConnector4">
+            <a:avLst>
+              <a:gd name="adj1" fmla="val -41503"/>
+              <a:gd name="adj2" fmla="val 148169"/>
+            </a:avLst>
+          </a:prstGeom>
+          <a:ln>
+            <a:solidFill>
+              <a:srgbClr val="00B050"/>
+            </a:solidFill>
+            <a:tailEnd type="triangle"/>
+          </a:ln>
+        </p:spPr>
+        <p:style>
+          <a:lnRef idx="1">
+            <a:schemeClr val="dk1"/>
+          </a:lnRef>
+          <a:fillRef idx="0">
+            <a:schemeClr val="dk1"/>
+          </a:fillRef>
+          <a:effectRef idx="0">
+            <a:schemeClr val="dk1"/>
+          </a:effectRef>
+          <a:fontRef idx="minor">
+            <a:schemeClr val="tx1"/>
+          </a:fontRef>
+        </p:style>
+      </p:cxnSp>
+      <mc:AlternateContent xmlns:mc="http://schemas.openxmlformats.org/markup-compatibility/2006">
+        <mc:Choice xmlns:a14="http://schemas.microsoft.com/office/drawing/2010/main" Requires="a14">
+          <p:sp>
+            <p:nvSpPr>
+              <p:cNvPr id="56" name="Rounded Rectangle 55">
+                <a:extLst>
+                  <a:ext uri="{FF2B5EF4-FFF2-40B4-BE49-F238E27FC236}">
+                    <a16:creationId xmlns:a16="http://schemas.microsoft.com/office/drawing/2014/main" id="{B757A5D0-BBF5-EA05-E148-0298DD3364AB}"/>
+                  </a:ext>
+                </a:extLst>
+              </p:cNvPr>
+              <p:cNvSpPr/>
+              <p:nvPr/>
+            </p:nvSpPr>
+            <p:spPr>
+              <a:xfrm>
+                <a:off x="2252615" y="1375969"/>
+                <a:ext cx="709448" cy="651642"/>
+              </a:xfrm>
+              <a:prstGeom prst="roundRect">
+                <a:avLst>
+                  <a:gd name="adj" fmla="val 15186"/>
+                </a:avLst>
+              </a:prstGeom>
+            </p:spPr>
+            <p:style>
+              <a:lnRef idx="2">
+                <a:schemeClr val="dk1"/>
+              </a:lnRef>
+              <a:fillRef idx="1">
+                <a:schemeClr val="lt1"/>
+              </a:fillRef>
+              <a:effectRef idx="0">
+                <a:schemeClr val="dk1"/>
+              </a:effectRef>
+              <a:fontRef idx="minor">
+                <a:schemeClr val="dk1"/>
+              </a:fontRef>
+            </p:style>
+            <p:txBody>
+              <a:bodyPr rtlCol="0" anchor="ctr"/>
+              <a:lstStyle/>
+              <a:p>
+                <a:pPr algn="ctr"/>
+                <a14:m>
+                  <m:oMathPara xmlns:m="http://schemas.openxmlformats.org/officeDocument/2006/math">
+                    <m:oMathParaPr>
+                      <m:jc m:val="center"/>
+                    </m:oMathParaPr>
+                    <m:oMath xmlns:m="http://schemas.openxmlformats.org/officeDocument/2006/math">
+                      <m:sSub>
+                        <m:sSubPr>
+                          <m:ctrlPr>
+                            <a:rPr lang="en-US" sz="3600" i="1" dirty="0">
+                              <a:latin typeface="Cambria Math" panose="02040503050406030204" pitchFamily="18" charset="0"/>
+                            </a:rPr>
+                          </m:ctrlPr>
+                        </m:sSubPr>
+                        <m:e>
+                          <m:r>
+                            <a:rPr lang="en-US" sz="3600" i="1" dirty="0">
+                              <a:latin typeface="Cambria Math" panose="02040503050406030204" pitchFamily="18" charset="0"/>
+                            </a:rPr>
+                            <m:t>𝑧</m:t>
+                          </m:r>
+                        </m:e>
+                        <m:sub>
+                          <m:r>
+                            <a:rPr lang="en-US" sz="3600" i="1" dirty="0">
+                              <a:latin typeface="Cambria Math" panose="02040503050406030204" pitchFamily="18" charset="0"/>
+                            </a:rPr>
+                            <m:t>𝑚</m:t>
+                          </m:r>
+                        </m:sub>
+                      </m:sSub>
+                    </m:oMath>
+                  </m:oMathPara>
+                </a14:m>
+                <a:endParaRPr lang="en-US" sz="3600" dirty="0"/>
+              </a:p>
+            </p:txBody>
+          </p:sp>
+        </mc:Choice>
+        <mc:Fallback>
+          <p:sp>
+            <p:nvSpPr>
+              <p:cNvPr id="56" name="Rounded Rectangle 55">
+                <a:extLst>
+                  <a:ext uri="{FF2B5EF4-FFF2-40B4-BE49-F238E27FC236}">
+                    <a16:creationId xmlns:a16="http://schemas.microsoft.com/office/drawing/2014/main" id="{B757A5D0-BBF5-EA05-E148-0298DD3364AB}"/>
+                  </a:ext>
+                </a:extLst>
+              </p:cNvPr>
+              <p:cNvSpPr>
+                <a:spLocks noRot="1" noChangeAspect="1" noMove="1" noResize="1" noEditPoints="1" noAdjustHandles="1" noChangeArrowheads="1" noChangeShapeType="1" noTextEdit="1"/>
+              </p:cNvSpPr>
+              <p:nvPr/>
+            </p:nvSpPr>
+            <p:spPr>
+              <a:xfrm>
+                <a:off x="2252615" y="1375969"/>
+                <a:ext cx="709448" cy="651642"/>
+              </a:xfrm>
+              <a:prstGeom prst="roundRect">
+                <a:avLst>
+                  <a:gd name="adj" fmla="val 15186"/>
+                </a:avLst>
+              </a:prstGeom>
+              <a:blipFill>
+                <a:blip r:embed="rId11"/>
+                <a:stretch>
+                  <a:fillRect l="-12281"/>
+                </a:stretch>
+              </a:blipFill>
+            </p:spPr>
+            <p:txBody>
+              <a:bodyPr/>
+              <a:lstStyle/>
+              <a:p>
+                <a:r>
+                  <a:rPr lang="en-US">
+                    <a:noFill/>
+                  </a:rPr>
+                  <a:t> </a:t>
+                </a:r>
+              </a:p>
+            </p:txBody>
+          </p:sp>
+        </mc:Fallback>
+      </mc:AlternateContent>
     </p:spTree>
     <p:extLst>
       <p:ext uri="{BB962C8B-B14F-4D97-AF65-F5344CB8AC3E}">
